--- a/Documentation/Präsentation_PSMG 18.7.pptx
+++ b/Documentation/Präsentation_PSMG 18.7.pptx
@@ -4678,11 +4678,7 @@
           <a:p>
             <a:r>
               <a:rPr lang="de-DE" sz="2000" b="1" dirty="0" smtClean="0"/>
-              <a:t>Sprint </a:t>
-            </a:r>
-            <a:r>
-              <a:rPr lang="de-DE" sz="2000" b="1" dirty="0" smtClean="0"/>
-              <a:t>18.7 </a:t>
+              <a:t>Sprint 18.7 </a:t>
             </a:r>
             <a:endParaRPr lang="de-DE" sz="2000" b="1" dirty="0"/>
           </a:p>
@@ -4735,7 +4731,6 @@
               <a:rPr lang="de-DE" sz="1800" dirty="0" smtClean="0"/>
               <a:t>Angriff</a:t>
             </a:r>
-            <a:endParaRPr lang="de-DE" sz="1800" dirty="0" smtClean="0"/>
           </a:p>
           <a:p>
             <a:pPr marL="285750" indent="-285750">
@@ -4766,7 +4761,6 @@
               <a:rPr lang="de-DE" sz="1800" dirty="0" smtClean="0"/>
               <a:t>Lebensanzeige</a:t>
             </a:r>
-            <a:endParaRPr lang="de-DE" sz="1800" dirty="0" smtClean="0"/>
           </a:p>
           <a:p>
             <a:pPr marL="285750" indent="-285750">
@@ -4806,7 +4800,6 @@
               <a:rPr lang="de-DE" sz="1800" dirty="0" smtClean="0"/>
               <a:t> überarbeitet</a:t>
             </a:r>
-            <a:endParaRPr lang="de-DE" sz="1800" dirty="0" smtClean="0"/>
           </a:p>
           <a:p>
             <a:pPr marL="285750" indent="-285750">
@@ -4945,8 +4938,38 @@
         </p:blipFill>
         <p:spPr>
           <a:xfrm>
-            <a:off x="1596929" y="3408457"/>
-            <a:ext cx="5785327" cy="2214138"/>
+            <a:off x="1596930" y="3494822"/>
+            <a:ext cx="4561914" cy="1745918"/>
+          </a:xfrm>
+          <a:prstGeom prst="rect">
+            <a:avLst/>
+          </a:prstGeom>
+        </p:spPr>
+      </p:pic>
+      <p:pic>
+        <p:nvPicPr>
+          <p:cNvPr id="3" name="Grafik 2"/>
+          <p:cNvPicPr>
+            <a:picLocks noChangeAspect="1"/>
+          </p:cNvPicPr>
+          <p:nvPr/>
+        </p:nvPicPr>
+        <p:blipFill>
+          <a:blip r:embed="rId3">
+            <a:extLst>
+              <a:ext uri="{28A0092B-C50C-407E-A947-70E740481C1C}">
+                <a14:useLocalDpi xmlns:a14="http://schemas.microsoft.com/office/drawing/2010/main" val="0"/>
+              </a:ext>
+            </a:extLst>
+          </a:blip>
+          <a:stretch>
+            <a:fillRect/>
+          </a:stretch>
+        </p:blipFill>
+        <p:spPr>
+          <a:xfrm>
+            <a:off x="6564715" y="3494822"/>
+            <a:ext cx="4561915" cy="1745918"/>
           </a:xfrm>
           <a:prstGeom prst="rect">
             <a:avLst/>
@@ -5022,7 +5045,7 @@
         <p:spPr>
           <a:xfrm>
             <a:off x="1446663" y="2715904"/>
-            <a:ext cx="9935570" cy="2031325"/>
+            <a:ext cx="9935570" cy="2585323"/>
           </a:xfrm>
           <a:prstGeom prst="rect">
             <a:avLst/>
@@ -5063,11 +5086,7 @@
             </a:pPr>
             <a:r>
               <a:rPr lang="de-DE" sz="1800" dirty="0" smtClean="0"/>
-              <a:t>Level </a:t>
-            </a:r>
-            <a:r>
-              <a:rPr lang="de-DE" sz="1800" dirty="0" smtClean="0"/>
-              <a:t>implementieren</a:t>
+              <a:t>Level implementieren</a:t>
             </a:r>
           </a:p>
           <a:p>
@@ -5084,8 +5103,30 @@
             </a:pPr>
             <a:r>
               <a:rPr lang="de-DE" sz="1800" dirty="0" smtClean="0"/>
-              <a:t>Soundeffekte einbinden </a:t>
+              <a:t>Soundeffekte </a:t>
             </a:r>
+            <a:r>
+              <a:rPr lang="de-DE" sz="1800" dirty="0" smtClean="0"/>
+              <a:t>einbinden</a:t>
+            </a:r>
+          </a:p>
+          <a:p>
+            <a:pPr marL="285750" indent="-285750">
+              <a:buFont typeface="Arial" panose="020B0604020202020204" pitchFamily="34" charset="0"/>
+              <a:buChar char="•"/>
+            </a:pPr>
+            <a:endParaRPr lang="de-DE" sz="1800" dirty="0"/>
+          </a:p>
+          <a:p>
+            <a:pPr marL="285750" indent="-285750">
+              <a:buFont typeface="Arial" panose="020B0604020202020204" pitchFamily="34" charset="0"/>
+              <a:buChar char="•"/>
+            </a:pPr>
+            <a:r>
+              <a:rPr lang="de-DE" sz="1800" dirty="0" smtClean="0"/>
+              <a:t>Kämpfen + Angriff ausarbeiten </a:t>
+            </a:r>
+            <a:endParaRPr lang="de-DE" sz="1800" dirty="0" smtClean="0"/>
           </a:p>
           <a:p>
             <a:pPr marL="285750" indent="-285750">

--- a/Documentation/Präsentation_PSMG 18.7.pptx
+++ b/Documentation/Präsentation_PSMG 18.7.pptx
@@ -4728,9 +4728,10 @@
               <a:t>Gegnerbewegungen + </a:t>
             </a:r>
             <a:r>
-              <a:rPr lang="de-DE" sz="1800" dirty="0" smtClean="0"/>
-              <a:t>Angriff</a:t>
+              <a:rPr lang="de-DE" sz="1800" smtClean="0"/>
+              <a:t>Angriff </a:t>
             </a:r>
+            <a:endParaRPr lang="de-DE" sz="1800" dirty="0" smtClean="0"/>
           </a:p>
           <a:p>
             <a:pPr marL="285750" indent="-285750">
@@ -4746,8 +4747,13 @@
             </a:pPr>
             <a:r>
               <a:rPr lang="de-DE" sz="1800" dirty="0" smtClean="0"/>
-              <a:t>Kernmechanik Kämpfen </a:t>
+              <a:t>Kernmechanik </a:t>
             </a:r>
+            <a:r>
+              <a:rPr lang="de-DE" sz="1800" dirty="0" smtClean="0"/>
+              <a:t>Kämpfen  </a:t>
+            </a:r>
+            <a:endParaRPr lang="de-DE" sz="1800" dirty="0" smtClean="0"/>
           </a:p>
           <a:p>
             <a:endParaRPr lang="de-DE" sz="1800" dirty="0"/>
@@ -5045,7 +5051,7 @@
         <p:spPr>
           <a:xfrm>
             <a:off x="1446663" y="2715904"/>
-            <a:ext cx="9935570" cy="2585323"/>
+            <a:ext cx="9935570" cy="3139321"/>
           </a:xfrm>
           <a:prstGeom prst="rect">
             <a:avLst/>
@@ -5103,11 +5109,7 @@
             </a:pPr>
             <a:r>
               <a:rPr lang="de-DE" sz="1800" dirty="0" smtClean="0"/>
-              <a:t>Soundeffekte </a:t>
-            </a:r>
-            <a:r>
-              <a:rPr lang="de-DE" sz="1800" dirty="0" smtClean="0"/>
-              <a:t>einbinden</a:t>
+              <a:t>Soundeffekte einbinden</a:t>
             </a:r>
           </a:p>
           <a:p>
@@ -5124,7 +5126,28 @@
             </a:pPr>
             <a:r>
               <a:rPr lang="de-DE" sz="1800" dirty="0" smtClean="0"/>
-              <a:t>Kämpfen + Angriff ausarbeiten </a:t>
+              <a:t>Kämpfen + Angriff </a:t>
+            </a:r>
+            <a:r>
+              <a:rPr lang="de-DE" sz="1800" dirty="0" smtClean="0"/>
+              <a:t>ausarbeiten</a:t>
+            </a:r>
+          </a:p>
+          <a:p>
+            <a:pPr marL="285750" indent="-285750">
+              <a:buFont typeface="Arial" panose="020B0604020202020204" pitchFamily="34" charset="0"/>
+              <a:buChar char="•"/>
+            </a:pPr>
+            <a:endParaRPr lang="de-DE" sz="1800" dirty="0"/>
+          </a:p>
+          <a:p>
+            <a:pPr marL="285750" indent="-285750">
+              <a:buFont typeface="Arial" panose="020B0604020202020204" pitchFamily="34" charset="0"/>
+              <a:buChar char="•"/>
+            </a:pPr>
+            <a:r>
+              <a:rPr lang="de-DE" sz="1800" dirty="0" smtClean="0"/>
+              <a:t>Gegner implementieren </a:t>
             </a:r>
             <a:endParaRPr lang="de-DE" sz="1800" dirty="0" smtClean="0"/>
           </a:p>
